--- a/DA_09_ETL_Git_CI_CD_DevOps.pptx
+++ b/DA_09_ETL_Git_CI_CD_DevOps.pptx
@@ -209,7 +209,7 @@
           <a:p>
             <a:fld id="{C2E15B94-D9E4-E149-8081-23A720D1EE5F}" type="datetimeFigureOut">
               <a:rPr lang="en-US" smtClean="0"/>
-              <a:t>10/25/21</a:t>
+              <a:t>2/2/22</a:t>
             </a:fld>
             <a:endParaRPr lang="en-US"/>
           </a:p>
@@ -1158,7 +1158,7 @@
           <a:p>
             <a:fld id="{FBD852D7-E694-214E-8A12-510E0A0329D2}" type="datetimeFigureOut">
               <a:rPr lang="en-US" smtClean="0"/>
-              <a:t>10/25/21</a:t>
+              <a:t>2/2/22</a:t>
             </a:fld>
             <a:endParaRPr lang="en-US"/>
           </a:p>
@@ -1356,7 +1356,7 @@
           <a:p>
             <a:fld id="{FBD852D7-E694-214E-8A12-510E0A0329D2}" type="datetimeFigureOut">
               <a:rPr lang="en-US" smtClean="0"/>
-              <a:t>10/25/21</a:t>
+              <a:t>2/2/22</a:t>
             </a:fld>
             <a:endParaRPr lang="en-US"/>
           </a:p>
@@ -1564,7 +1564,7 @@
           <a:p>
             <a:fld id="{FBD852D7-E694-214E-8A12-510E0A0329D2}" type="datetimeFigureOut">
               <a:rPr lang="en-US" smtClean="0"/>
-              <a:t>10/25/21</a:t>
+              <a:t>2/2/22</a:t>
             </a:fld>
             <a:endParaRPr lang="en-US"/>
           </a:p>
@@ -1762,7 +1762,7 @@
           <a:p>
             <a:fld id="{FBD852D7-E694-214E-8A12-510E0A0329D2}" type="datetimeFigureOut">
               <a:rPr lang="en-US" smtClean="0"/>
-              <a:t>10/25/21</a:t>
+              <a:t>2/2/22</a:t>
             </a:fld>
             <a:endParaRPr lang="en-US"/>
           </a:p>
@@ -2037,7 +2037,7 @@
           <a:p>
             <a:fld id="{FBD852D7-E694-214E-8A12-510E0A0329D2}" type="datetimeFigureOut">
               <a:rPr lang="en-US" smtClean="0"/>
-              <a:t>10/25/21</a:t>
+              <a:t>2/2/22</a:t>
             </a:fld>
             <a:endParaRPr lang="en-US"/>
           </a:p>
@@ -2302,7 +2302,7 @@
           <a:p>
             <a:fld id="{FBD852D7-E694-214E-8A12-510E0A0329D2}" type="datetimeFigureOut">
               <a:rPr lang="en-US" smtClean="0"/>
-              <a:t>10/25/21</a:t>
+              <a:t>2/2/22</a:t>
             </a:fld>
             <a:endParaRPr lang="en-US"/>
           </a:p>
@@ -2714,7 +2714,7 @@
           <a:p>
             <a:fld id="{FBD852D7-E694-214E-8A12-510E0A0329D2}" type="datetimeFigureOut">
               <a:rPr lang="en-US" smtClean="0"/>
-              <a:t>10/25/21</a:t>
+              <a:t>2/2/22</a:t>
             </a:fld>
             <a:endParaRPr lang="en-US"/>
           </a:p>
@@ -2855,7 +2855,7 @@
           <a:p>
             <a:fld id="{FBD852D7-E694-214E-8A12-510E0A0329D2}" type="datetimeFigureOut">
               <a:rPr lang="en-US" smtClean="0"/>
-              <a:t>10/25/21</a:t>
+              <a:t>2/2/22</a:t>
             </a:fld>
             <a:endParaRPr lang="en-US"/>
           </a:p>
@@ -2968,7 +2968,7 @@
           <a:p>
             <a:fld id="{FBD852D7-E694-214E-8A12-510E0A0329D2}" type="datetimeFigureOut">
               <a:rPr lang="en-US" smtClean="0"/>
-              <a:t>10/25/21</a:t>
+              <a:t>2/2/22</a:t>
             </a:fld>
             <a:endParaRPr lang="en-US"/>
           </a:p>
@@ -3279,7 +3279,7 @@
           <a:p>
             <a:fld id="{FBD852D7-E694-214E-8A12-510E0A0329D2}" type="datetimeFigureOut">
               <a:rPr lang="en-US" smtClean="0"/>
-              <a:t>10/25/21</a:t>
+              <a:t>2/2/22</a:t>
             </a:fld>
             <a:endParaRPr lang="en-US"/>
           </a:p>
@@ -3567,7 +3567,7 @@
           <a:p>
             <a:fld id="{FBD852D7-E694-214E-8A12-510E0A0329D2}" type="datetimeFigureOut">
               <a:rPr lang="en-US" smtClean="0"/>
-              <a:t>10/25/21</a:t>
+              <a:t>2/2/22</a:t>
             </a:fld>
             <a:endParaRPr lang="en-US"/>
           </a:p>
@@ -3808,7 +3808,7 @@
           <a:p>
             <a:fld id="{FBD852D7-E694-214E-8A12-510E0A0329D2}" type="datetimeFigureOut">
               <a:rPr lang="en-US" smtClean="0"/>
-              <a:t>10/25/21</a:t>
+              <a:t>2/2/22</a:t>
             </a:fld>
             <a:endParaRPr lang="en-US"/>
           </a:p>
@@ -9378,7 +9378,7 @@
         <p:spPr>
           <a:xfrm>
             <a:off x="152634" y="715497"/>
-            <a:ext cx="2887449" cy="5447645"/>
+            <a:ext cx="2887449" cy="5816977"/>
           </a:xfrm>
           <a:prstGeom prst="rect">
             <a:avLst/>
@@ -9424,6 +9424,26 @@
             <a:r>
               <a:rPr lang="en-US" sz="1200" dirty="0"/>
               <a:t>Alooma</a:t>
+            </a:r>
+          </a:p>
+          <a:p>
+            <a:r>
+              <a:rPr lang="en-US" sz="1200" b="1" dirty="0">
+                <a:solidFill>
+                  <a:srgbClr val="FF0000"/>
+                </a:solidFill>
+              </a:rPr>
+              <a:t>Apache Airflow (open Source, python)</a:t>
+            </a:r>
+          </a:p>
+          <a:p>
+            <a:r>
+              <a:rPr lang="en-US" sz="1200" b="1" dirty="0">
+                <a:solidFill>
+                  <a:srgbClr val="FF0000"/>
+                </a:solidFill>
+              </a:rPr>
+              <a:t>Astronomer (based on Apache Airflow)</a:t>
             </a:r>
           </a:p>
           <a:p>
